--- a/materials/slides/2.1(2)探索式软件测试方法总览.pptx
+++ b/materials/slides/2.1(2)探索式软件测试方法总览.pptx
@@ -208,7 +208,7 @@
           <a:p>
             <a:fld id="{EC82124A-F363-4BD3-8BA5-C8EDB8A4673E}" type="datetimeFigureOut">
               <a:rPr lang="zh-CN" altLang="en-US" smtClean="0"/>
-              <a:t>2019/8/25</a:t>
+              <a:t>2019/9/15</a:t>
             </a:fld>
             <a:endParaRPr lang="zh-CN" altLang="en-US"/>
           </a:p>
@@ -695,7 +695,7 @@
           <a:p>
             <a:fld id="{C04CF4A6-17F9-4CD5-BCB8-44B65F331829}" type="datetimeFigureOut">
               <a:rPr lang="zh-CN" altLang="en-US" smtClean="0"/>
-              <a:t>2019/8/25</a:t>
+              <a:t>2019/9/15</a:t>
             </a:fld>
             <a:endParaRPr lang="zh-CN" altLang="en-US"/>
           </a:p>
@@ -987,7 +987,7 @@
           <a:p>
             <a:fld id="{C04CF4A6-17F9-4CD5-BCB8-44B65F331829}" type="datetimeFigureOut">
               <a:rPr lang="zh-CN" altLang="en-US" smtClean="0"/>
-              <a:t>2019/8/25</a:t>
+              <a:t>2019/9/15</a:t>
             </a:fld>
             <a:endParaRPr lang="zh-CN" altLang="en-US"/>
           </a:p>
@@ -1157,7 +1157,7 @@
           <a:p>
             <a:fld id="{C04CF4A6-17F9-4CD5-BCB8-44B65F331829}" type="datetimeFigureOut">
               <a:rPr lang="zh-CN" altLang="en-US" smtClean="0"/>
-              <a:t>2019/8/25</a:t>
+              <a:t>2019/9/15</a:t>
             </a:fld>
             <a:endParaRPr lang="zh-CN" altLang="en-US"/>
           </a:p>
@@ -1337,7 +1337,7 @@
           <a:p>
             <a:fld id="{C04CF4A6-17F9-4CD5-BCB8-44B65F331829}" type="datetimeFigureOut">
               <a:rPr lang="zh-CN" altLang="en-US" smtClean="0"/>
-              <a:t>2019/8/25</a:t>
+              <a:t>2019/9/15</a:t>
             </a:fld>
             <a:endParaRPr lang="zh-CN" altLang="en-US"/>
           </a:p>
@@ -1561,7 +1561,7 @@
           <a:p>
             <a:fld id="{C04CF4A6-17F9-4CD5-BCB8-44B65F331829}" type="datetimeFigureOut">
               <a:rPr lang="zh-CN" altLang="en-US" smtClean="0"/>
-              <a:t>2019/8/25</a:t>
+              <a:t>2019/9/15</a:t>
             </a:fld>
             <a:endParaRPr lang="zh-CN" altLang="en-US"/>
           </a:p>
@@ -1858,7 +1858,7 @@
           <a:p>
             <a:fld id="{C04CF4A6-17F9-4CD5-BCB8-44B65F331829}" type="datetimeFigureOut">
               <a:rPr lang="zh-CN" altLang="en-US" smtClean="0"/>
-              <a:t>2019/8/25</a:t>
+              <a:t>2019/9/15</a:t>
             </a:fld>
             <a:endParaRPr lang="zh-CN" altLang="en-US"/>
           </a:p>
@@ -2177,7 +2177,7 @@
           <a:p>
             <a:fld id="{C04CF4A6-17F9-4CD5-BCB8-44B65F331829}" type="datetimeFigureOut">
               <a:rPr lang="zh-CN" altLang="en-US" smtClean="0"/>
-              <a:t>2019/8/25</a:t>
+              <a:t>2019/9/15</a:t>
             </a:fld>
             <a:endParaRPr lang="zh-CN" altLang="en-US"/>
           </a:p>
@@ -2409,7 +2409,7 @@
           <a:p>
             <a:fld id="{C04CF4A6-17F9-4CD5-BCB8-44B65F331829}" type="datetimeFigureOut">
               <a:rPr lang="zh-CN" altLang="en-US" smtClean="0"/>
-              <a:t>2019/8/25</a:t>
+              <a:t>2019/9/15</a:t>
             </a:fld>
             <a:endParaRPr lang="zh-CN" altLang="en-US"/>
           </a:p>
@@ -2776,7 +2776,7 @@
           <a:p>
             <a:fld id="{C04CF4A6-17F9-4CD5-BCB8-44B65F331829}" type="datetimeFigureOut">
               <a:rPr lang="zh-CN" altLang="en-US" smtClean="0"/>
-              <a:t>2019/8/25</a:t>
+              <a:t>2019/9/15</a:t>
             </a:fld>
             <a:endParaRPr lang="zh-CN" altLang="en-US"/>
           </a:p>
@@ -2894,7 +2894,7 @@
           <a:p>
             <a:fld id="{C04CF4A6-17F9-4CD5-BCB8-44B65F331829}" type="datetimeFigureOut">
               <a:rPr lang="zh-CN" altLang="en-US" smtClean="0"/>
-              <a:t>2019/8/25</a:t>
+              <a:t>2019/9/15</a:t>
             </a:fld>
             <a:endParaRPr lang="zh-CN" altLang="en-US"/>
           </a:p>
@@ -2989,7 +2989,7 @@
           <a:p>
             <a:fld id="{C04CF4A6-17F9-4CD5-BCB8-44B65F331829}" type="datetimeFigureOut">
               <a:rPr lang="zh-CN" altLang="en-US" smtClean="0"/>
-              <a:t>2019/8/25</a:t>
+              <a:t>2019/9/15</a:t>
             </a:fld>
             <a:endParaRPr lang="zh-CN" altLang="en-US"/>
           </a:p>
@@ -3266,7 +3266,7 @@
           <a:p>
             <a:fld id="{C04CF4A6-17F9-4CD5-BCB8-44B65F331829}" type="datetimeFigureOut">
               <a:rPr lang="zh-CN" altLang="en-US" smtClean="0"/>
-              <a:t>2019/8/25</a:t>
+              <a:t>2019/9/15</a:t>
             </a:fld>
             <a:endParaRPr lang="zh-CN" altLang="en-US"/>
           </a:p>
@@ -3479,7 +3479,7 @@
           <a:p>
             <a:fld id="{C04CF4A6-17F9-4CD5-BCB8-44B65F331829}" type="datetimeFigureOut">
               <a:rPr lang="zh-CN" altLang="en-US" smtClean="0"/>
-              <a:t>2019/8/25</a:t>
+              <a:t>2019/9/15</a:t>
             </a:fld>
             <a:endParaRPr lang="zh-CN" altLang="en-US"/>
           </a:p>
@@ -4190,6 +4190,448 @@
   <p:clrMapOvr>
     <a:masterClrMapping/>
   </p:clrMapOvr>
+  <p:timing>
+    <p:tnLst>
+      <p:par>
+        <p:cTn id="1" dur="indefinite" restart="never" nodeType="tmRoot">
+          <p:childTnLst>
+            <p:seq concurrent="1" nextAc="seek">
+              <p:cTn id="2" dur="indefinite" nodeType="mainSeq">
+                <p:childTnLst>
+                  <p:par>
+                    <p:cTn id="3" fill="hold">
+                      <p:stCondLst>
+                        <p:cond delay="indefinite"/>
+                      </p:stCondLst>
+                      <p:childTnLst>
+                        <p:par>
+                          <p:cTn id="4" fill="hold">
+                            <p:stCondLst>
+                              <p:cond delay="0"/>
+                            </p:stCondLst>
+                            <p:childTnLst>
+                              <p:par>
+                                <p:cTn id="5" presetID="2" presetClass="entr" presetSubtype="4" fill="hold" nodeType="clickEffect">
+                                  <p:stCondLst>
+                                    <p:cond delay="0"/>
+                                  </p:stCondLst>
+                                  <p:childTnLst>
+                                    <p:set>
+                                      <p:cBhvr>
+                                        <p:cTn id="6" dur="1" fill="hold">
+                                          <p:stCondLst>
+                                            <p:cond delay="0"/>
+                                          </p:stCondLst>
+                                        </p:cTn>
+                                        <p:tgtEl>
+                                          <p:spTgt spid="3">
+                                            <p:txEl>
+                                              <p:pRg st="1" end="1"/>
+                                            </p:txEl>
+                                          </p:spTgt>
+                                        </p:tgtEl>
+                                        <p:attrNameLst>
+                                          <p:attrName>style.visibility</p:attrName>
+                                        </p:attrNameLst>
+                                      </p:cBhvr>
+                                      <p:to>
+                                        <p:strVal val="visible"/>
+                                      </p:to>
+                                    </p:set>
+                                    <p:anim calcmode="lin" valueType="num">
+                                      <p:cBhvr additive="base">
+                                        <p:cTn id="7" dur="500" fill="hold"/>
+                                        <p:tgtEl>
+                                          <p:spTgt spid="3">
+                                            <p:txEl>
+                                              <p:pRg st="1" end="1"/>
+                                            </p:txEl>
+                                          </p:spTgt>
+                                        </p:tgtEl>
+                                        <p:attrNameLst>
+                                          <p:attrName>ppt_x</p:attrName>
+                                        </p:attrNameLst>
+                                      </p:cBhvr>
+                                      <p:tavLst>
+                                        <p:tav tm="0">
+                                          <p:val>
+                                            <p:strVal val="#ppt_x"/>
+                                          </p:val>
+                                        </p:tav>
+                                        <p:tav tm="100000">
+                                          <p:val>
+                                            <p:strVal val="#ppt_x"/>
+                                          </p:val>
+                                        </p:tav>
+                                      </p:tavLst>
+                                    </p:anim>
+                                    <p:anim calcmode="lin" valueType="num">
+                                      <p:cBhvr additive="base">
+                                        <p:cTn id="8" dur="500" fill="hold"/>
+                                        <p:tgtEl>
+                                          <p:spTgt spid="3">
+                                            <p:txEl>
+                                              <p:pRg st="1" end="1"/>
+                                            </p:txEl>
+                                          </p:spTgt>
+                                        </p:tgtEl>
+                                        <p:attrNameLst>
+                                          <p:attrName>ppt_y</p:attrName>
+                                        </p:attrNameLst>
+                                      </p:cBhvr>
+                                      <p:tavLst>
+                                        <p:tav tm="0">
+                                          <p:val>
+                                            <p:strVal val="1+#ppt_h/2"/>
+                                          </p:val>
+                                        </p:tav>
+                                        <p:tav tm="100000">
+                                          <p:val>
+                                            <p:strVal val="#ppt_y"/>
+                                          </p:val>
+                                        </p:tav>
+                                      </p:tavLst>
+                                    </p:anim>
+                                  </p:childTnLst>
+                                </p:cTn>
+                              </p:par>
+                            </p:childTnLst>
+                          </p:cTn>
+                        </p:par>
+                      </p:childTnLst>
+                    </p:cTn>
+                  </p:par>
+                  <p:par>
+                    <p:cTn id="9" fill="hold">
+                      <p:stCondLst>
+                        <p:cond delay="indefinite"/>
+                      </p:stCondLst>
+                      <p:childTnLst>
+                        <p:par>
+                          <p:cTn id="10" fill="hold">
+                            <p:stCondLst>
+                              <p:cond delay="0"/>
+                            </p:stCondLst>
+                            <p:childTnLst>
+                              <p:par>
+                                <p:cTn id="11" presetID="2" presetClass="entr" presetSubtype="4" fill="hold" nodeType="clickEffect">
+                                  <p:stCondLst>
+                                    <p:cond delay="0"/>
+                                  </p:stCondLst>
+                                  <p:childTnLst>
+                                    <p:set>
+                                      <p:cBhvr>
+                                        <p:cTn id="12" dur="1" fill="hold">
+                                          <p:stCondLst>
+                                            <p:cond delay="0"/>
+                                          </p:stCondLst>
+                                        </p:cTn>
+                                        <p:tgtEl>
+                                          <p:spTgt spid="3">
+                                            <p:txEl>
+                                              <p:pRg st="2" end="2"/>
+                                            </p:txEl>
+                                          </p:spTgt>
+                                        </p:tgtEl>
+                                        <p:attrNameLst>
+                                          <p:attrName>style.visibility</p:attrName>
+                                        </p:attrNameLst>
+                                      </p:cBhvr>
+                                      <p:to>
+                                        <p:strVal val="visible"/>
+                                      </p:to>
+                                    </p:set>
+                                    <p:anim calcmode="lin" valueType="num">
+                                      <p:cBhvr additive="base">
+                                        <p:cTn id="13" dur="500" fill="hold"/>
+                                        <p:tgtEl>
+                                          <p:spTgt spid="3">
+                                            <p:txEl>
+                                              <p:pRg st="2" end="2"/>
+                                            </p:txEl>
+                                          </p:spTgt>
+                                        </p:tgtEl>
+                                        <p:attrNameLst>
+                                          <p:attrName>ppt_x</p:attrName>
+                                        </p:attrNameLst>
+                                      </p:cBhvr>
+                                      <p:tavLst>
+                                        <p:tav tm="0">
+                                          <p:val>
+                                            <p:strVal val="#ppt_x"/>
+                                          </p:val>
+                                        </p:tav>
+                                        <p:tav tm="100000">
+                                          <p:val>
+                                            <p:strVal val="#ppt_x"/>
+                                          </p:val>
+                                        </p:tav>
+                                      </p:tavLst>
+                                    </p:anim>
+                                    <p:anim calcmode="lin" valueType="num">
+                                      <p:cBhvr additive="base">
+                                        <p:cTn id="14" dur="500" fill="hold"/>
+                                        <p:tgtEl>
+                                          <p:spTgt spid="3">
+                                            <p:txEl>
+                                              <p:pRg st="2" end="2"/>
+                                            </p:txEl>
+                                          </p:spTgt>
+                                        </p:tgtEl>
+                                        <p:attrNameLst>
+                                          <p:attrName>ppt_y</p:attrName>
+                                        </p:attrNameLst>
+                                      </p:cBhvr>
+                                      <p:tavLst>
+                                        <p:tav tm="0">
+                                          <p:val>
+                                            <p:strVal val="1+#ppt_h/2"/>
+                                          </p:val>
+                                        </p:tav>
+                                        <p:tav tm="100000">
+                                          <p:val>
+                                            <p:strVal val="#ppt_y"/>
+                                          </p:val>
+                                        </p:tav>
+                                      </p:tavLst>
+                                    </p:anim>
+                                  </p:childTnLst>
+                                </p:cTn>
+                              </p:par>
+                            </p:childTnLst>
+                          </p:cTn>
+                        </p:par>
+                      </p:childTnLst>
+                    </p:cTn>
+                  </p:par>
+                  <p:par>
+                    <p:cTn id="15" fill="hold">
+                      <p:stCondLst>
+                        <p:cond delay="indefinite"/>
+                      </p:stCondLst>
+                      <p:childTnLst>
+                        <p:par>
+                          <p:cTn id="16" fill="hold">
+                            <p:stCondLst>
+                              <p:cond delay="0"/>
+                            </p:stCondLst>
+                            <p:childTnLst>
+                              <p:par>
+                                <p:cTn id="17" presetID="2" presetClass="entr" presetSubtype="4" fill="hold" nodeType="clickEffect">
+                                  <p:stCondLst>
+                                    <p:cond delay="0"/>
+                                  </p:stCondLst>
+                                  <p:childTnLst>
+                                    <p:set>
+                                      <p:cBhvr>
+                                        <p:cTn id="18" dur="1" fill="hold">
+                                          <p:stCondLst>
+                                            <p:cond delay="0"/>
+                                          </p:stCondLst>
+                                        </p:cTn>
+                                        <p:tgtEl>
+                                          <p:spTgt spid="3">
+                                            <p:txEl>
+                                              <p:pRg st="3" end="3"/>
+                                            </p:txEl>
+                                          </p:spTgt>
+                                        </p:tgtEl>
+                                        <p:attrNameLst>
+                                          <p:attrName>style.visibility</p:attrName>
+                                        </p:attrNameLst>
+                                      </p:cBhvr>
+                                      <p:to>
+                                        <p:strVal val="visible"/>
+                                      </p:to>
+                                    </p:set>
+                                    <p:anim calcmode="lin" valueType="num">
+                                      <p:cBhvr additive="base">
+                                        <p:cTn id="19" dur="500" fill="hold"/>
+                                        <p:tgtEl>
+                                          <p:spTgt spid="3">
+                                            <p:txEl>
+                                              <p:pRg st="3" end="3"/>
+                                            </p:txEl>
+                                          </p:spTgt>
+                                        </p:tgtEl>
+                                        <p:attrNameLst>
+                                          <p:attrName>ppt_x</p:attrName>
+                                        </p:attrNameLst>
+                                      </p:cBhvr>
+                                      <p:tavLst>
+                                        <p:tav tm="0">
+                                          <p:val>
+                                            <p:strVal val="#ppt_x"/>
+                                          </p:val>
+                                        </p:tav>
+                                        <p:tav tm="100000">
+                                          <p:val>
+                                            <p:strVal val="#ppt_x"/>
+                                          </p:val>
+                                        </p:tav>
+                                      </p:tavLst>
+                                    </p:anim>
+                                    <p:anim calcmode="lin" valueType="num">
+                                      <p:cBhvr additive="base">
+                                        <p:cTn id="20" dur="500" fill="hold"/>
+                                        <p:tgtEl>
+                                          <p:spTgt spid="3">
+                                            <p:txEl>
+                                              <p:pRg st="3" end="3"/>
+                                            </p:txEl>
+                                          </p:spTgt>
+                                        </p:tgtEl>
+                                        <p:attrNameLst>
+                                          <p:attrName>ppt_y</p:attrName>
+                                        </p:attrNameLst>
+                                      </p:cBhvr>
+                                      <p:tavLst>
+                                        <p:tav tm="0">
+                                          <p:val>
+                                            <p:strVal val="1+#ppt_h/2"/>
+                                          </p:val>
+                                        </p:tav>
+                                        <p:tav tm="100000">
+                                          <p:val>
+                                            <p:strVal val="#ppt_y"/>
+                                          </p:val>
+                                        </p:tav>
+                                      </p:tavLst>
+                                    </p:anim>
+                                  </p:childTnLst>
+                                </p:cTn>
+                              </p:par>
+                            </p:childTnLst>
+                          </p:cTn>
+                        </p:par>
+                      </p:childTnLst>
+                    </p:cTn>
+                  </p:par>
+                  <p:par>
+                    <p:cTn id="21" fill="hold">
+                      <p:stCondLst>
+                        <p:cond delay="indefinite"/>
+                      </p:stCondLst>
+                      <p:childTnLst>
+                        <p:par>
+                          <p:cTn id="22" fill="hold">
+                            <p:stCondLst>
+                              <p:cond delay="0"/>
+                            </p:stCondLst>
+                            <p:childTnLst>
+                              <p:par>
+                                <p:cTn id="23" presetID="2" presetClass="entr" presetSubtype="4" fill="hold" nodeType="clickEffect">
+                                  <p:stCondLst>
+                                    <p:cond delay="0"/>
+                                  </p:stCondLst>
+                                  <p:childTnLst>
+                                    <p:set>
+                                      <p:cBhvr>
+                                        <p:cTn id="24" dur="1" fill="hold">
+                                          <p:stCondLst>
+                                            <p:cond delay="0"/>
+                                          </p:stCondLst>
+                                        </p:cTn>
+                                        <p:tgtEl>
+                                          <p:spTgt spid="3">
+                                            <p:txEl>
+                                              <p:pRg st="4" end="4"/>
+                                            </p:txEl>
+                                          </p:spTgt>
+                                        </p:tgtEl>
+                                        <p:attrNameLst>
+                                          <p:attrName>style.visibility</p:attrName>
+                                        </p:attrNameLst>
+                                      </p:cBhvr>
+                                      <p:to>
+                                        <p:strVal val="visible"/>
+                                      </p:to>
+                                    </p:set>
+                                    <p:anim calcmode="lin" valueType="num">
+                                      <p:cBhvr additive="base">
+                                        <p:cTn id="25" dur="500" fill="hold"/>
+                                        <p:tgtEl>
+                                          <p:spTgt spid="3">
+                                            <p:txEl>
+                                              <p:pRg st="4" end="4"/>
+                                            </p:txEl>
+                                          </p:spTgt>
+                                        </p:tgtEl>
+                                        <p:attrNameLst>
+                                          <p:attrName>ppt_x</p:attrName>
+                                        </p:attrNameLst>
+                                      </p:cBhvr>
+                                      <p:tavLst>
+                                        <p:tav tm="0">
+                                          <p:val>
+                                            <p:strVal val="#ppt_x"/>
+                                          </p:val>
+                                        </p:tav>
+                                        <p:tav tm="100000">
+                                          <p:val>
+                                            <p:strVal val="#ppt_x"/>
+                                          </p:val>
+                                        </p:tav>
+                                      </p:tavLst>
+                                    </p:anim>
+                                    <p:anim calcmode="lin" valueType="num">
+                                      <p:cBhvr additive="base">
+                                        <p:cTn id="26" dur="500" fill="hold"/>
+                                        <p:tgtEl>
+                                          <p:spTgt spid="3">
+                                            <p:txEl>
+                                              <p:pRg st="4" end="4"/>
+                                            </p:txEl>
+                                          </p:spTgt>
+                                        </p:tgtEl>
+                                        <p:attrNameLst>
+                                          <p:attrName>ppt_y</p:attrName>
+                                        </p:attrNameLst>
+                                      </p:cBhvr>
+                                      <p:tavLst>
+                                        <p:tav tm="0">
+                                          <p:val>
+                                            <p:strVal val="1+#ppt_h/2"/>
+                                          </p:val>
+                                        </p:tav>
+                                        <p:tav tm="100000">
+                                          <p:val>
+                                            <p:strVal val="#ppt_y"/>
+                                          </p:val>
+                                        </p:tav>
+                                      </p:tavLst>
+                                    </p:anim>
+                                  </p:childTnLst>
+                                </p:cTn>
+                              </p:par>
+                            </p:childTnLst>
+                          </p:cTn>
+                        </p:par>
+                      </p:childTnLst>
+                    </p:cTn>
+                  </p:par>
+                </p:childTnLst>
+              </p:cTn>
+              <p:prevCondLst>
+                <p:cond evt="onPrev" delay="0">
+                  <p:tgtEl>
+                    <p:sldTgt/>
+                  </p:tgtEl>
+                </p:cond>
+              </p:prevCondLst>
+              <p:nextCondLst>
+                <p:cond evt="onNext" delay="0">
+                  <p:tgtEl>
+                    <p:sldTgt/>
+                  </p:tgtEl>
+                </p:cond>
+              </p:nextCondLst>
+            </p:seq>
+          </p:childTnLst>
+        </p:cTn>
+      </p:par>
+    </p:tnLst>
+  </p:timing>
 </p:sld>
 </file>
 
@@ -4295,11 +4737,18 @@
   <p:clrMapOvr>
     <a:masterClrMapping/>
   </p:clrMapOvr>
+  <p:timing>
+    <p:tnLst>
+      <p:par>
+        <p:cTn id="1" dur="indefinite" restart="never" nodeType="tmRoot"/>
+      </p:par>
+    </p:tnLst>
+  </p:timing>
 </p:sld>
 </file>
 
 <file path=ppt/slides/slide5.xml><?xml version="1.0" encoding="utf-8"?>
-<p:sld xmlns:a="http://schemas.openxmlformats.org/drawingml/2006/main" xmlns:r="http://schemas.openxmlformats.org/officeDocument/2006/relationships" xmlns:p="http://schemas.openxmlformats.org/presentationml/2006/main">
+<p:sld xmlns:a="http://schemas.openxmlformats.org/drawingml/2006/main" xmlns:r="http://schemas.openxmlformats.org/officeDocument/2006/relationships" xmlns:p="http://schemas.openxmlformats.org/presentationml/2006/main" show="0">
   <p:cSld>
     <p:spTree>
       <p:nvGrpSpPr>
@@ -4410,6 +4859,21 @@
   <p:clrMapOvr>
     <a:masterClrMapping/>
   </p:clrMapOvr>
+  <mc:AlternateContent xmlns:mc="http://schemas.openxmlformats.org/markup-compatibility/2006">
+    <mc:Choice xmlns:p14="http://schemas.microsoft.com/office/powerpoint/2010/main" Requires="p14">
+      <p:transition spd="slow" p14:dur="2000"/>
+    </mc:Choice>
+    <mc:Fallback>
+      <p:transition spd="slow"/>
+    </mc:Fallback>
+  </mc:AlternateContent>
+  <p:timing>
+    <p:tnLst>
+      <p:par>
+        <p:cTn id="1" dur="indefinite" restart="never" nodeType="tmRoot"/>
+      </p:par>
+    </p:tnLst>
+  </p:timing>
 </p:sld>
 </file>
 
@@ -4525,6 +4989,13 @@
   <p:clrMapOvr>
     <a:masterClrMapping/>
   </p:clrMapOvr>
+  <p:timing>
+    <p:tnLst>
+      <p:par>
+        <p:cTn id="1" dur="indefinite" restart="never" nodeType="tmRoot"/>
+      </p:par>
+    </p:tnLst>
+  </p:timing>
 </p:sld>
 </file>
 
@@ -4585,7 +5056,11 @@
           <a:p>
             <a:r>
               <a:rPr lang="zh-CN" altLang="en-US" dirty="0" smtClean="0"/>
-              <a:t>在执行探测过程时，留意如下食物：</a:t>
+              <a:t>在执行探测过程时，留意</a:t>
+            </a:r>
+            <a:r>
+              <a:rPr lang="zh-CN" altLang="en-US" dirty="0" smtClean="0"/>
+              <a:t>如下事务：</a:t>
             </a:r>
             <a:endParaRPr lang="en-US" altLang="zh-CN" dirty="0" smtClean="0"/>
           </a:p>
@@ -4593,7 +5068,15 @@
             <a:pPr lvl="1"/>
             <a:r>
               <a:rPr lang="zh-CN" altLang="en-US" dirty="0" smtClean="0"/>
-              <a:t>可以计数的事物，运用“</a:t>
+              <a:t>可以计数</a:t>
+            </a:r>
+            <a:r>
+              <a:rPr lang="zh-CN" altLang="en-US" dirty="0" smtClean="0"/>
+              <a:t>的事务，</a:t>
+            </a:r>
+            <a:r>
+              <a:rPr lang="zh-CN" altLang="en-US" dirty="0" smtClean="0"/>
+              <a:t>运用“</a:t>
             </a:r>
             <a:r>
               <a:rPr lang="en-US" altLang="zh-CN" dirty="0" smtClean="0"/>
@@ -4617,7 +5100,15 @@
             <a:pPr lvl="1"/>
             <a:r>
               <a:rPr lang="zh-CN" altLang="en-US" dirty="0" smtClean="0"/>
-              <a:t>可以选择的事物，运用“部分、全无、全部”启发法</a:t>
+              <a:t>可以选择</a:t>
+            </a:r>
+            <a:r>
+              <a:rPr lang="zh-CN" altLang="en-US" dirty="0"/>
+              <a:t>的事务，</a:t>
+            </a:r>
+            <a:r>
+              <a:rPr lang="zh-CN" altLang="en-US" dirty="0" smtClean="0"/>
+              <a:t>运用“部分、全无、全部”启发法</a:t>
             </a:r>
             <a:endParaRPr lang="en-US" altLang="zh-CN" dirty="0" smtClean="0"/>
           </a:p>
@@ -4625,7 +5116,15 @@
             <a:pPr lvl="1"/>
             <a:r>
               <a:rPr lang="zh-CN" altLang="en-US" dirty="0" smtClean="0"/>
-              <a:t>所在位置很重要的事物，运用“开始、中间、结束”启发法</a:t>
+              <a:t>所在位置很重要的</a:t>
+            </a:r>
+            <a:r>
+              <a:rPr lang="zh-CN" altLang="en-US" dirty="0" smtClean="0"/>
+              <a:t>事务，</a:t>
+            </a:r>
+            <a:r>
+              <a:rPr lang="zh-CN" altLang="en-US" dirty="0" smtClean="0"/>
+              <a:t>运用“开始、中间、结束”启发法</a:t>
             </a:r>
             <a:endParaRPr lang="en-US" altLang="zh-CN" dirty="0" smtClean="0"/>
           </a:p>
@@ -4633,7 +5132,15 @@
             <a:pPr lvl="1"/>
             <a:r>
               <a:rPr lang="zh-CN" altLang="en-US" dirty="0" smtClean="0"/>
-              <a:t>可以有不同格式的事物，运用“违反数据格式规则”启发法</a:t>
+              <a:t>可以有不同格式的</a:t>
+            </a:r>
+            <a:r>
+              <a:rPr lang="zh-CN" altLang="en-US" dirty="0" smtClean="0"/>
+              <a:t>事务，</a:t>
+            </a:r>
+            <a:r>
+              <a:rPr lang="zh-CN" altLang="en-US" dirty="0" smtClean="0"/>
+              <a:t>运用“违反数据格式规则”启发法</a:t>
             </a:r>
             <a:endParaRPr lang="en-US" altLang="zh-CN" dirty="0" smtClean="0"/>
           </a:p>
@@ -4653,6 +5160,13 @@
   <p:clrMapOvr>
     <a:masterClrMapping/>
   </p:clrMapOvr>
+  <p:timing>
+    <p:tnLst>
+      <p:par>
+        <p:cTn id="1" dur="indefinite" restart="never" nodeType="tmRoot"/>
+      </p:par>
+    </p:tnLst>
+  </p:timing>
 </p:sld>
 </file>
 
@@ -4757,6 +5271,13 @@
   <p:clrMapOvr>
     <a:masterClrMapping/>
   </p:clrMapOvr>
+  <p:timing>
+    <p:tnLst>
+      <p:par>
+        <p:cTn id="1" dur="indefinite" restart="never" nodeType="tmRoot"/>
+      </p:par>
+    </p:tnLst>
+  </p:timing>
 </p:sld>
 </file>
 
